--- a/Diseño de automatismos lógicos GRAFCET.pptx
+++ b/Diseño de automatismos lógicos GRAFCET.pptx
@@ -159,7 +159,7 @@
 <file path=ppt/revisionInfo.xml><?xml version="1.0" encoding="utf-8"?>
 <p1510:revInfo xmlns:a="http://schemas.openxmlformats.org/drawingml/2006/main" xmlns:r="http://schemas.openxmlformats.org/officeDocument/2006/relationships" xmlns:p1510="http://schemas.microsoft.com/office/powerpoint/2015/10/main">
   <p1510:revLst>
-    <p1510:client id="{E4E59D73-244E-4751-8FE0-F3762146D46F}" v="3" dt="2021-10-18T13:02:56.302"/>
+    <p1510:client id="{E4E59D73-244E-4751-8FE0-F3762146D46F}" v="6" dt="2021-11-11T14:39:59.069"/>
   </p1510:revLst>
 </p1510:revInfo>
 </file>
@@ -846,30 +846,67 @@
   <pc:docChgLst>
     <pc:chgData name="GUILLERMO RUBIO GÓMEZ" userId="2116fb35-b184-46e5-9aa8-ae836fd7fbaa" providerId="ADAL" clId="{E4E59D73-244E-4751-8FE0-F3762146D46F}"/>
     <pc:docChg chg="custSel modSld">
-      <pc:chgData name="GUILLERMO RUBIO GÓMEZ" userId="2116fb35-b184-46e5-9aa8-ae836fd7fbaa" providerId="ADAL" clId="{E4E59D73-244E-4751-8FE0-F3762146D46F}" dt="2021-10-18T13:09:10.522" v="550" actId="20577"/>
+      <pc:chgData name="GUILLERMO RUBIO GÓMEZ" userId="2116fb35-b184-46e5-9aa8-ae836fd7fbaa" providerId="ADAL" clId="{E4E59D73-244E-4751-8FE0-F3762146D46F}" dt="2021-11-11T14:40:43.153" v="671" actId="20577"/>
       <pc:docMkLst>
         <pc:docMk/>
       </pc:docMkLst>
-      <pc:sldChg chg="modSp mod">
-        <pc:chgData name="GUILLERMO RUBIO GÓMEZ" userId="2116fb35-b184-46e5-9aa8-ae836fd7fbaa" providerId="ADAL" clId="{E4E59D73-244E-4751-8FE0-F3762146D46F}" dt="2021-10-18T13:01:37.642" v="2" actId="20577"/>
+      <pc:sldChg chg="delSp modSp mod">
+        <pc:chgData name="GUILLERMO RUBIO GÓMEZ" userId="2116fb35-b184-46e5-9aa8-ae836fd7fbaa" providerId="ADAL" clId="{E4E59D73-244E-4751-8FE0-F3762146D46F}" dt="2021-11-11T14:36:45.697" v="661" actId="1035"/>
         <pc:sldMkLst>
           <pc:docMk/>
           <pc:sldMk cId="1241032645" sldId="256"/>
         </pc:sldMkLst>
         <pc:spChg chg="mod">
-          <ac:chgData name="GUILLERMO RUBIO GÓMEZ" userId="2116fb35-b184-46e5-9aa8-ae836fd7fbaa" providerId="ADAL" clId="{E4E59D73-244E-4751-8FE0-F3762146D46F}" dt="2021-10-18T13:01:37.642" v="2" actId="20577"/>
+          <ac:chgData name="GUILLERMO RUBIO GÓMEZ" userId="2116fb35-b184-46e5-9aa8-ae836fd7fbaa" providerId="ADAL" clId="{E4E59D73-244E-4751-8FE0-F3762146D46F}" dt="2021-11-11T14:36:45.697" v="661" actId="1035"/>
+          <ac:spMkLst>
+            <pc:docMk/>
+            <pc:sldMk cId="1241032645" sldId="256"/>
+            <ac:spMk id="9" creationId="{945A9F08-5F92-48B9-BCBB-C8AF002C308B}"/>
+          </ac:spMkLst>
+        </pc:spChg>
+        <pc:spChg chg="mod">
+          <ac:chgData name="GUILLERMO RUBIO GÓMEZ" userId="2116fb35-b184-46e5-9aa8-ae836fd7fbaa" providerId="ADAL" clId="{E4E59D73-244E-4751-8FE0-F3762146D46F}" dt="2021-11-11T14:36:38.984" v="655" actId="1076"/>
           <ac:spMkLst>
             <pc:docMk/>
             <pc:sldMk cId="1241032645" sldId="256"/>
             <ac:spMk id="14" creationId="{5B8A4BB1-04B9-4952-B63D-C2B8E0386AA5}"/>
           </ac:spMkLst>
         </pc:spChg>
+        <pc:picChg chg="del mod">
+          <ac:chgData name="GUILLERMO RUBIO GÓMEZ" userId="2116fb35-b184-46e5-9aa8-ae836fd7fbaa" providerId="ADAL" clId="{E4E59D73-244E-4751-8FE0-F3762146D46F}" dt="2021-11-11T14:36:44.378" v="659" actId="478"/>
+          <ac:picMkLst>
+            <pc:docMk/>
+            <pc:sldMk cId="1241032645" sldId="256"/>
+            <ac:picMk id="13" creationId="{CECDE898-3847-4854-A78B-AC1E997DBBFE}"/>
+          </ac:picMkLst>
+        </pc:picChg>
+      </pc:sldChg>
+      <pc:sldChg chg="modNotesTx">
+        <pc:chgData name="GUILLERMO RUBIO GÓMEZ" userId="2116fb35-b184-46e5-9aa8-ae836fd7fbaa" providerId="ADAL" clId="{E4E59D73-244E-4751-8FE0-F3762146D46F}" dt="2021-11-11T14:39:33.448" v="665" actId="20577"/>
+        <pc:sldMkLst>
+          <pc:docMk/>
+          <pc:sldMk cId="315442994" sldId="311"/>
+        </pc:sldMkLst>
+      </pc:sldChg>
+      <pc:sldChg chg="modNotesTx">
+        <pc:chgData name="GUILLERMO RUBIO GÓMEZ" userId="2116fb35-b184-46e5-9aa8-ae836fd7fbaa" providerId="ADAL" clId="{E4E59D73-244E-4751-8FE0-F3762146D46F}" dt="2021-11-11T14:40:22.305" v="669" actId="20577"/>
+        <pc:sldMkLst>
+          <pc:docMk/>
+          <pc:sldMk cId="449091265" sldId="314"/>
+        </pc:sldMkLst>
       </pc:sldChg>
       <pc:sldChg chg="modNotesTx">
         <pc:chgData name="GUILLERMO RUBIO GÓMEZ" userId="2116fb35-b184-46e5-9aa8-ae836fd7fbaa" providerId="ADAL" clId="{E4E59D73-244E-4751-8FE0-F3762146D46F}" dt="2021-10-18T13:05:17.275" v="138" actId="20577"/>
         <pc:sldMkLst>
           <pc:docMk/>
           <pc:sldMk cId="326850098" sldId="315"/>
+        </pc:sldMkLst>
+      </pc:sldChg>
+      <pc:sldChg chg="modNotesTx">
+        <pc:chgData name="GUILLERMO RUBIO GÓMEZ" userId="2116fb35-b184-46e5-9aa8-ae836fd7fbaa" providerId="ADAL" clId="{E4E59D73-244E-4751-8FE0-F3762146D46F}" dt="2021-11-11T14:40:43.153" v="671" actId="20577"/>
+        <pc:sldMkLst>
+          <pc:docMk/>
+          <pc:sldMk cId="1238436132" sldId="317"/>
         </pc:sldMkLst>
       </pc:sldChg>
       <pc:sldChg chg="modNotesTx">
@@ -894,14 +931,14 @@
         </pc:sldMkLst>
       </pc:sldChg>
       <pc:sldChg chg="modNotesTx">
-        <pc:chgData name="GUILLERMO RUBIO GÓMEZ" userId="2116fb35-b184-46e5-9aa8-ae836fd7fbaa" providerId="ADAL" clId="{E4E59D73-244E-4751-8FE0-F3762146D46F}" dt="2021-10-18T13:01:47.498" v="6" actId="20577"/>
+        <pc:chgData name="GUILLERMO RUBIO GÓMEZ" userId="2116fb35-b184-46e5-9aa8-ae836fd7fbaa" providerId="ADAL" clId="{E4E59D73-244E-4751-8FE0-F3762146D46F}" dt="2021-11-11T14:38:59.273" v="664" actId="313"/>
         <pc:sldMkLst>
           <pc:docMk/>
           <pc:sldMk cId="1749127401" sldId="330"/>
         </pc:sldMkLst>
       </pc:sldChg>
       <pc:sldChg chg="modNotesTx">
-        <pc:chgData name="GUILLERMO RUBIO GÓMEZ" userId="2116fb35-b184-46e5-9aa8-ae836fd7fbaa" providerId="ADAL" clId="{E4E59D73-244E-4751-8FE0-F3762146D46F}" dt="2021-10-18T13:02:14.265" v="30" actId="20577"/>
+        <pc:chgData name="GUILLERMO RUBIO GÓMEZ" userId="2116fb35-b184-46e5-9aa8-ae836fd7fbaa" providerId="ADAL" clId="{E4E59D73-244E-4751-8FE0-F3762146D46F}" dt="2021-11-11T14:40:05.521" v="666" actId="20577"/>
         <pc:sldMkLst>
           <pc:docMk/>
           <pc:sldMk cId="986261432" sldId="332"/>
@@ -2054,7 +2091,7 @@
           <a:p>
             <a:fld id="{13A98447-8CFF-4273-8719-345336B531D0}" type="datetimeFigureOut">
               <a:rPr lang="es-ES" smtClean="0"/>
-              <a:t>18/10/2021</a:t>
+              <a:t>11/11/2021</a:t>
             </a:fld>
             <a:endParaRPr lang="es-ES"/>
           </a:p>
@@ -2235,7 +2272,7 @@
           <a:p>
             <a:fld id="{993FEA6D-63D5-477F-BD73-E9DA72F7C471}" type="datetimeFigureOut">
               <a:rPr lang="es-ES" smtClean="0"/>
-              <a:t>18/10/2021</a:t>
+              <a:t>11/11/2021</a:t>
             </a:fld>
             <a:endParaRPr lang="es-ES"/>
           </a:p>
@@ -2886,13 +2923,12 @@
           <a:p>
             <a:r>
               <a:rPr lang="es-ES" dirty="0"/>
-              <a:t>Es la estructura más básica que indica acciones que se van desarrollando unas detrás de otras, nunca puede haber varias etapas activas al mismo tiempo. Es el caso del ejemplo anterior.</a:t>
-            </a:r>
-          </a:p>
-          <a:p>
-            <a:endParaRPr lang="es-ES" dirty="0"/>
-          </a:p>
-          <a:p>
+              <a:t>Es la estructura más básica que indica acciones que se van desarrollando unas detrás de otras, nunca puede haber varias etapas activas al mismo </a:t>
+            </a:r>
+            <a:r>
+              <a:rPr lang="es-ES"/>
+              <a:t>tiempo.</a:t>
+            </a:r>
             <a:endParaRPr lang="es-ES" dirty="0"/>
           </a:p>
         </p:txBody>
@@ -4708,15 +4744,6 @@
               <a:t>Con independencia de la tecnología con la que va a ser construido, es decir se centra en la funcionalidad en lugar de en la implementación. Ejemplo con cinta transportadora y con cilindro neumático.</a:t>
             </a:r>
           </a:p>
-          <a:p>
-            <a:pPr marL="228600" indent="-228600">
-              <a:buAutoNum type="arabicParenR"/>
-            </a:pPr>
-            <a:r>
-              <a:rPr lang="es-ES" dirty="0"/>
-              <a:t>Desde el punto de vista del GRAFCET el automatismo se divide en dos partes, la parte de control sería el </a:t>
-            </a:r>
-          </a:p>
         </p:txBody>
       </p:sp>
       <p:sp>
@@ -4928,15 +4955,7 @@
             </a:pPr>
             <a:r>
               <a:rPr lang="es-ES" dirty="0"/>
-              <a:t>4) Cuando se tiene un subproceso relativamente complejo (por ejemplo taladrar) se puede tener una etapa cuya acción sea taladrar y que dentro tenga otras etapas como colocar broca, encender taladro, aproximar pieza y entonces la “etapa” taladrar pasa a ser una </a:t>
-            </a:r>
-            <a:r>
-              <a:rPr lang="es-ES" dirty="0" err="1"/>
-              <a:t>macroetapa</a:t>
-            </a:r>
-            <a:r>
-              <a:rPr lang="es-ES" dirty="0"/>
-              <a:t> (en general no utilizaremos esto)</a:t>
+              <a:t>4) Cuando se tiene un subproceso relativamente complejo (por ejemplo taladrar) se puede tener una etapa cuya acción sea taladrar y que dentro tenga otras etapas como colocar broca, encender taladro, aproximar pieza y entonces la “etapa” taladrar pasa a ser una macroetapa.</a:t>
             </a:r>
           </a:p>
           <a:p>
@@ -5366,31 +5385,6 @@
               <a:t>Al lado de cada transición se colocan las condiciones que deben cumplirse para “franquear” esa transición.</a:t>
             </a:r>
           </a:p>
-          <a:p>
-            <a:pPr marL="171450" indent="-171450">
-              <a:buFontTx/>
-              <a:buChar char="-"/>
-            </a:pPr>
-            <a:endParaRPr lang="es-ES" dirty="0"/>
-          </a:p>
-          <a:p>
-            <a:pPr marL="0" indent="0">
-              <a:buFontTx/>
-              <a:buNone/>
-            </a:pPr>
-            <a:r>
-              <a:rPr lang="es-ES" dirty="0"/>
-              <a:t>EJEMPLO 1 -&gt; Imaginemos que la maquina de placas simplemente tiene que bajar el brazo hasta que detecte que esta abajo, una vez hecho eso activar la succión, subir, moverse, bajar quitar la </a:t>
-            </a:r>
-            <a:r>
-              <a:rPr lang="es-ES" dirty="0" err="1"/>
-              <a:t>succion</a:t>
-            </a:r>
-            <a:r>
-              <a:rPr lang="es-ES" dirty="0"/>
-              <a:t> subir y volver.</a:t>
-            </a:r>
-          </a:p>
         </p:txBody>
       </p:sp>
       <p:sp>
@@ -5613,7 +5607,7 @@
           <a:p>
             <a:fld id="{2633B14C-E76B-4AAC-A904-30297C929BCD}" type="datetime1">
               <a:rPr lang="es-ES" smtClean="0"/>
-              <a:t>18/10/2021</a:t>
+              <a:t>11/11/2021</a:t>
             </a:fld>
             <a:endParaRPr lang="es-ES"/>
           </a:p>
@@ -5779,7 +5773,7 @@
           <a:p>
             <a:fld id="{68FF7D17-EE83-4EBD-ACB7-D52FF6BA59BE}" type="datetime1">
               <a:rPr lang="es-ES" smtClean="0"/>
-              <a:t>18/10/2021</a:t>
+              <a:t>11/11/2021</a:t>
             </a:fld>
             <a:endParaRPr lang="es-ES"/>
           </a:p>
@@ -5955,7 +5949,7 @@
           <a:p>
             <a:fld id="{8C75D824-4838-4A09-9509-68FD06CB69BF}" type="datetime1">
               <a:rPr lang="es-ES" smtClean="0"/>
-              <a:t>18/10/2021</a:t>
+              <a:t>11/11/2021</a:t>
             </a:fld>
             <a:endParaRPr lang="es-ES"/>
           </a:p>
@@ -6121,7 +6115,7 @@
           <a:p>
             <a:fld id="{BA86EFEF-0DDF-4A14-9598-8AE1F9FC070F}" type="datetime1">
               <a:rPr lang="es-ES" smtClean="0"/>
-              <a:t>18/10/2021</a:t>
+              <a:t>11/11/2021</a:t>
             </a:fld>
             <a:endParaRPr lang="es-ES"/>
           </a:p>
@@ -6364,7 +6358,7 @@
           <a:p>
             <a:fld id="{27C27716-F4E7-4632-A919-0B58B01BAAC4}" type="datetime1">
               <a:rPr lang="es-ES" smtClean="0"/>
-              <a:t>18/10/2021</a:t>
+              <a:t>11/11/2021</a:t>
             </a:fld>
             <a:endParaRPr lang="es-ES"/>
           </a:p>
@@ -6647,7 +6641,7 @@
           <a:p>
             <a:fld id="{3178DBC4-542C-4FE4-8C4D-3204E13E0B47}" type="datetime1">
               <a:rPr lang="es-ES" smtClean="0"/>
-              <a:t>18/10/2021</a:t>
+              <a:t>11/11/2021</a:t>
             </a:fld>
             <a:endParaRPr lang="es-ES"/>
           </a:p>
@@ -7064,7 +7058,7 @@
           <a:p>
             <a:fld id="{6EC04C86-4FDA-4F88-99CF-3A5E0FFA9506}" type="datetime1">
               <a:rPr lang="es-ES" smtClean="0"/>
-              <a:t>18/10/2021</a:t>
+              <a:t>11/11/2021</a:t>
             </a:fld>
             <a:endParaRPr lang="es-ES"/>
           </a:p>
@@ -7179,7 +7173,7 @@
           <a:p>
             <a:fld id="{3C087FCF-C0CB-4B4B-9B02-05B074D848C7}" type="datetime1">
               <a:rPr lang="es-ES" smtClean="0"/>
-              <a:t>18/10/2021</a:t>
+              <a:t>11/11/2021</a:t>
             </a:fld>
             <a:endParaRPr lang="es-ES"/>
           </a:p>
@@ -7272,7 +7266,7 @@
           <a:p>
             <a:fld id="{6B890DAE-8768-42CA-B5C7-E0FD77B2E992}" type="datetime1">
               <a:rPr lang="es-ES" smtClean="0"/>
-              <a:t>18/10/2021</a:t>
+              <a:t>11/11/2021</a:t>
             </a:fld>
             <a:endParaRPr lang="es-ES"/>
           </a:p>
@@ -7545,7 +7539,7 @@
           <a:p>
             <a:fld id="{44D3CD21-0700-4C40-806B-6F95716E74C9}" type="datetime1">
               <a:rPr lang="es-ES" smtClean="0"/>
-              <a:t>18/10/2021</a:t>
+              <a:t>11/11/2021</a:t>
             </a:fld>
             <a:endParaRPr lang="es-ES"/>
           </a:p>
@@ -7795,7 +7789,7 @@
           <a:p>
             <a:fld id="{6C85064D-4DD6-4849-87F0-838A61D8B7A8}" type="datetime1">
               <a:rPr lang="es-ES" smtClean="0"/>
-              <a:t>18/10/2021</a:t>
+              <a:t>11/11/2021</a:t>
             </a:fld>
             <a:endParaRPr lang="es-ES"/>
           </a:p>
@@ -8004,7 +7998,7 @@
           <a:p>
             <a:fld id="{E67F3E39-3681-40F1-9FB5-E615193933AE}" type="datetime1">
               <a:rPr lang="es-ES" smtClean="0"/>
-              <a:t>18/10/2021</a:t>
+              <a:t>11/11/2021</a:t>
             </a:fld>
             <a:endParaRPr lang="es-ES"/>
           </a:p>
@@ -8378,46 +8372,6 @@
           <a:chExt cx="0" cy="0"/>
         </a:xfrm>
       </p:grpSpPr>
-      <p:pic>
-        <p:nvPicPr>
-          <p:cNvPr id="13" name="Imagen 12">
-            <a:extLst>
-              <a:ext uri="{FF2B5EF4-FFF2-40B4-BE49-F238E27FC236}">
-                <a16:creationId xmlns:a16="http://schemas.microsoft.com/office/drawing/2014/main" id="{CECDE898-3847-4854-A78B-AC1E997DBBFE}"/>
-              </a:ext>
-            </a:extLst>
-          </p:cNvPr>
-          <p:cNvPicPr>
-            <a:picLocks noChangeAspect="1"/>
-          </p:cNvPicPr>
-          <p:nvPr/>
-        </p:nvPicPr>
-        <p:blipFill>
-          <a:blip r:embed="rId3">
-            <a:alphaModFix amt="20000"/>
-            <a:duotone>
-              <a:schemeClr val="accent2">
-                <a:shade val="45000"/>
-                <a:satMod val="135000"/>
-              </a:schemeClr>
-              <a:prstClr val="white"/>
-            </a:duotone>
-          </a:blip>
-          <a:stretch>
-            <a:fillRect/>
-          </a:stretch>
-        </p:blipFill>
-        <p:spPr>
-          <a:xfrm>
-            <a:off x="0" y="1384101"/>
-            <a:ext cx="9144000" cy="4089797"/>
-          </a:xfrm>
-          <a:prstGeom prst="rect">
-            <a:avLst/>
-          </a:prstGeom>
-          <a:effectLst/>
-        </p:spPr>
-      </p:pic>
       <p:cxnSp>
         <p:nvCxnSpPr>
           <p:cNvPr id="7" name="6 Conector recto"/>
@@ -8469,7 +8423,7 @@
         </p:nvSpPr>
         <p:spPr>
           <a:xfrm>
-            <a:off x="323528" y="814214"/>
+            <a:off x="323528" y="116632"/>
             <a:ext cx="8496944" cy="4270970"/>
           </a:xfrm>
           <a:prstGeom prst="rect">
@@ -8478,7 +8432,7 @@
         </p:spPr>
         <p:txBody>
           <a:bodyPr vert="horz" lIns="91440" tIns="45720" rIns="91440" bIns="45720" rtlCol="0" anchor="ctr">
-            <a:normAutofit/>
+            <a:normAutofit lnSpcReduction="10000"/>
           </a:bodyPr>
           <a:lstStyle>
             <a:lvl1pPr algn="ctr" defTabSz="914400" rtl="0" eaLnBrk="1" latinLnBrk="0" hangingPunct="1">
@@ -8517,6 +8471,12 @@
               </a:rPr>
               <a:t>Tema 6: </a:t>
             </a:r>
+            <a:endParaRPr lang="es-ES" sz="3600" i="1" dirty="0">
+              <a:effectLst/>
+              <a:latin typeface="Cambria" panose="02040503050406030204" pitchFamily="18" charset="0"/>
+              <a:ea typeface="Cambria" panose="02040503050406030204" pitchFamily="18" charset="0"/>
+              <a:cs typeface="Times New Roman" panose="02020603050405020304" pitchFamily="18" charset="0"/>
+            </a:endParaRPr>
           </a:p>
           <a:p>
             <a:pPr lvl="0">
@@ -8527,12 +8487,15 @@
                 <a:spcPts val="800"/>
               </a:spcAft>
             </a:pPr>
-            <a:endParaRPr lang="es-ES" sz="3600" i="1" dirty="0">
-              <a:effectLst/>
-              <a:latin typeface="Cambria" panose="02040503050406030204" pitchFamily="18" charset="0"/>
-              <a:ea typeface="Cambria" panose="02040503050406030204" pitchFamily="18" charset="0"/>
-              <a:cs typeface="Times New Roman" panose="02020603050405020304" pitchFamily="18" charset="0"/>
-            </a:endParaRPr>
+            <a:r>
+              <a:rPr lang="es-ES" sz="3600" cap="all" dirty="0">
+                <a:effectLst/>
+                <a:latin typeface="Cambria" panose="02040503050406030204" pitchFamily="18" charset="0"/>
+                <a:ea typeface="Cambria" panose="02040503050406030204" pitchFamily="18" charset="0"/>
+                <a:cs typeface="Times New Roman" panose="02020603050405020304" pitchFamily="18" charset="0"/>
+              </a:rPr>
+              <a:t>COMPORTAMIENTO LÓGICO MEDIANTE DISEÑO GRAFCET</a:t>
+            </a:r>
           </a:p>
           <a:p>
             <a:pPr lvl="0">
@@ -8543,15 +8506,73 @@
                 <a:spcPts val="800"/>
               </a:spcAft>
             </a:pPr>
-            <a:r>
-              <a:rPr lang="es-ES" sz="3600" cap="all" dirty="0">
+            <a:endParaRPr lang="es-ES" sz="3600" cap="all" dirty="0">
+              <a:effectLst/>
+              <a:latin typeface="Cambria" panose="02040503050406030204" pitchFamily="18" charset="0"/>
+              <a:ea typeface="Cambria" panose="02040503050406030204" pitchFamily="18" charset="0"/>
+              <a:cs typeface="Times New Roman" panose="02020603050405020304" pitchFamily="18" charset="0"/>
+            </a:endParaRPr>
+          </a:p>
+          <a:p>
+            <a:pPr lvl="0">
+              <a:lnSpc>
+                <a:spcPct val="107000"/>
+              </a:lnSpc>
+              <a:spcAft>
+                <a:spcPts val="800"/>
+              </a:spcAft>
+            </a:pPr>
+            <a:r>
+              <a:rPr lang="es-ES" sz="2400" dirty="0">
+                <a:latin typeface="Cambria" panose="02040503050406030204" pitchFamily="18" charset="0"/>
+                <a:ea typeface="Cambria" panose="02040503050406030204" pitchFamily="18" charset="0"/>
+                <a:cs typeface="Times New Roman" panose="02020603050405020304" pitchFamily="18" charset="0"/>
+              </a:rPr>
+              <a:t>Guillermo Rubio Gómez</a:t>
+            </a:r>
+          </a:p>
+          <a:p>
+            <a:pPr lvl="0">
+              <a:lnSpc>
+                <a:spcPct val="107000"/>
+              </a:lnSpc>
+              <a:spcAft>
+                <a:spcPts val="800"/>
+              </a:spcAft>
+            </a:pPr>
+            <a:r>
+              <a:rPr lang="es-ES" sz="2400" dirty="0">
                 <a:effectLst/>
                 <a:latin typeface="Cambria" panose="02040503050406030204" pitchFamily="18" charset="0"/>
                 <a:ea typeface="Cambria" panose="02040503050406030204" pitchFamily="18" charset="0"/>
                 <a:cs typeface="Times New Roman" panose="02020603050405020304" pitchFamily="18" charset="0"/>
               </a:rPr>
-              <a:t>COMPORTAMIENTO LÓGICO MEDIANTE DISEÑO GRAFCET</a:t>
-            </a:r>
+              <a:t>David Rodriguez Rosa</a:t>
+            </a:r>
+          </a:p>
+          <a:p>
+            <a:pPr lvl="0">
+              <a:lnSpc>
+                <a:spcPct val="107000"/>
+              </a:lnSpc>
+              <a:spcAft>
+                <a:spcPts val="800"/>
+              </a:spcAft>
+            </a:pPr>
+            <a:r>
+              <a:rPr lang="es-ES" sz="2400" dirty="0">
+                <a:latin typeface="Cambria" panose="02040503050406030204" pitchFamily="18" charset="0"/>
+                <a:ea typeface="Cambria" panose="02040503050406030204" pitchFamily="18" charset="0"/>
+                <a:cs typeface="Times New Roman" panose="02020603050405020304" pitchFamily="18" charset="0"/>
+              </a:rPr>
+              <a:t>Fernando José Castillo García</a:t>
+            </a:r>
+            <a:endParaRPr lang="es-ES" sz="2400" dirty="0">
+              <a:effectLst/>
+              <a:latin typeface="Cambria" panose="02040503050406030204" pitchFamily="18" charset="0"/>
+              <a:ea typeface="Cambria" panose="02040503050406030204" pitchFamily="18" charset="0"/>
+              <a:cs typeface="Times New Roman" panose="02020603050405020304" pitchFamily="18" charset="0"/>
+            </a:endParaRPr>
           </a:p>
         </p:txBody>
       </p:sp>
@@ -8573,7 +8594,7 @@
         </p:nvSpPr>
         <p:spPr>
           <a:xfrm>
-            <a:off x="487679" y="5229201"/>
+            <a:off x="588305" y="5213778"/>
             <a:ext cx="7967389" cy="720080"/>
           </a:xfrm>
         </p:spPr>
@@ -26634,13 +26655,7 @@
               <a:rPr lang="es-ES_tradnl" sz="2800" dirty="0">
                 <a:latin typeface="Cambria" panose="02040503050406030204" pitchFamily="18" charset="0"/>
               </a:rPr>
-              <a:t>4) División en </a:t>
-            </a:r>
-            <a:r>
-              <a:rPr lang="es-ES_tradnl" sz="2800" dirty="0" err="1">
-                <a:latin typeface="Cambria" panose="02040503050406030204" pitchFamily="18" charset="0"/>
-              </a:rPr>
-              <a:t>macroetapas</a:t>
+              <a:t>4) División en macroetapas</a:t>
             </a:r>
             <a:endParaRPr lang="en-US" sz="2800" dirty="0">
               <a:latin typeface="Cambria" panose="02040503050406030204" pitchFamily="18" charset="0"/>
@@ -27924,13 +27939,7 @@
               <a:rPr lang="es-ES_tradnl" sz="2800" dirty="0">
                 <a:latin typeface="Cambria" panose="02040503050406030204" pitchFamily="18" charset="0"/>
               </a:rPr>
-              <a:t>4) División en </a:t>
-            </a:r>
-            <a:r>
-              <a:rPr lang="es-ES_tradnl" sz="2800" dirty="0" err="1">
-                <a:latin typeface="Cambria" panose="02040503050406030204" pitchFamily="18" charset="0"/>
-              </a:rPr>
-              <a:t>macroetapas</a:t>
+              <a:t>4) División en macroetapas</a:t>
             </a:r>
             <a:endParaRPr lang="en-US" sz="2800" dirty="0">
               <a:latin typeface="Cambria" panose="02040503050406030204" pitchFamily="18" charset="0"/>
